--- a/presentations/Updates 8-17-20.pptx
+++ b/presentations/Updates 8-17-20.pptx
@@ -4309,7 +4309,7 @@
           <a:p>
             <a:fld id="{8FB244FF-1FFB-514F-A5D9-580791D347E8}" type="datetimeFigureOut">
               <a:rPr lang="en-US" smtClean="0"/>
-              <a:t>8/17/20</a:t>
+              <a:t>8/19/20</a:t>
             </a:fld>
             <a:endParaRPr lang="en-US"/>
           </a:p>
@@ -4651,6 +4651,90 @@
     <p:extLst>
       <p:ext uri="{BB962C8B-B14F-4D97-AF65-F5344CB8AC3E}">
         <p14:creationId xmlns:p14="http://schemas.microsoft.com/office/powerpoint/2010/main" val="2161515128"/>
+      </p:ext>
+    </p:extLst>
+  </p:cSld>
+  <p:clrMapOvr>
+    <a:masterClrMapping/>
+  </p:clrMapOvr>
+</p:notes>
+</file>
+
+<file path=ppt/notesSlides/notesSlide10.xml><?xml version="1.0" encoding="utf-8"?>
+<p:notes xmlns:a="http://schemas.openxmlformats.org/drawingml/2006/main" xmlns:r="http://schemas.openxmlformats.org/officeDocument/2006/relationships" xmlns:p="http://schemas.openxmlformats.org/presentationml/2006/main">
+  <p:cSld>
+    <p:spTree>
+      <p:nvGrpSpPr>
+        <p:cNvPr id="1" name=""/>
+        <p:cNvGrpSpPr/>
+        <p:nvPr/>
+      </p:nvGrpSpPr>
+      <p:grpSpPr>
+        <a:xfrm>
+          <a:off x="0" y="0"/>
+          <a:ext cx="0" cy="0"/>
+          <a:chOff x="0" y="0"/>
+          <a:chExt cx="0" cy="0"/>
+        </a:xfrm>
+      </p:grpSpPr>
+      <p:sp>
+        <p:nvSpPr>
+          <p:cNvPr id="2" name="Slide Image Placeholder 1"/>
+          <p:cNvSpPr>
+            <a:spLocks noGrp="1" noRot="1" noChangeAspect="1"/>
+          </p:cNvSpPr>
+          <p:nvPr>
+            <p:ph type="sldImg"/>
+          </p:nvPr>
+        </p:nvSpPr>
+        <p:spPr/>
+      </p:sp>
+      <p:sp>
+        <p:nvSpPr>
+          <p:cNvPr id="3" name="Notes Placeholder 2"/>
+          <p:cNvSpPr>
+            <a:spLocks noGrp="1"/>
+          </p:cNvSpPr>
+          <p:nvPr>
+            <p:ph type="body" idx="1"/>
+          </p:nvPr>
+        </p:nvSpPr>
+        <p:spPr/>
+        <p:txBody>
+          <a:bodyPr/>
+          <a:lstStyle/>
+          <a:p>
+            <a:endParaRPr lang="en-US" dirty="0"/>
+          </a:p>
+        </p:txBody>
+      </p:sp>
+      <p:sp>
+        <p:nvSpPr>
+          <p:cNvPr id="4" name="Slide Number Placeholder 3"/>
+          <p:cNvSpPr>
+            <a:spLocks noGrp="1"/>
+          </p:cNvSpPr>
+          <p:nvPr>
+            <p:ph type="sldNum" sz="quarter" idx="5"/>
+          </p:nvPr>
+        </p:nvSpPr>
+        <p:spPr/>
+        <p:txBody>
+          <a:bodyPr/>
+          <a:lstStyle/>
+          <a:p>
+            <a:fld id="{C6F3DA7C-EC83-4247-A7C9-512D14D879DF}" type="slidenum">
+              <a:rPr lang="en-US" smtClean="0"/>
+              <a:t>38</a:t>
+            </a:fld>
+            <a:endParaRPr lang="en-US"/>
+          </a:p>
+        </p:txBody>
+      </p:sp>
+    </p:spTree>
+    <p:extLst>
+      <p:ext uri="{BB962C8B-B14F-4D97-AF65-F5344CB8AC3E}">
+        <p14:creationId xmlns:p14="http://schemas.microsoft.com/office/powerpoint/2010/main" val="4078772994"/>
       </p:ext>
     </p:extLst>
   </p:cSld>
@@ -5602,7 +5686,7 @@
           <a:p>
             <a:fld id="{8C0AA0B7-332D-774C-A1C2-95B9048EE1A4}" type="datetimeFigureOut">
               <a:rPr lang="en-US" smtClean="0"/>
-              <a:t>8/17/20</a:t>
+              <a:t>8/19/20</a:t>
             </a:fld>
             <a:endParaRPr lang="en-US"/>
           </a:p>
@@ -5800,7 +5884,7 @@
           <a:p>
             <a:fld id="{8C0AA0B7-332D-774C-A1C2-95B9048EE1A4}" type="datetimeFigureOut">
               <a:rPr lang="en-US" smtClean="0"/>
-              <a:t>8/17/20</a:t>
+              <a:t>8/19/20</a:t>
             </a:fld>
             <a:endParaRPr lang="en-US"/>
           </a:p>
@@ -6008,7 +6092,7 @@
           <a:p>
             <a:fld id="{8C0AA0B7-332D-774C-A1C2-95B9048EE1A4}" type="datetimeFigureOut">
               <a:rPr lang="en-US" smtClean="0"/>
-              <a:t>8/17/20</a:t>
+              <a:t>8/19/20</a:t>
             </a:fld>
             <a:endParaRPr lang="en-US"/>
           </a:p>
@@ -6206,7 +6290,7 @@
           <a:p>
             <a:fld id="{8C0AA0B7-332D-774C-A1C2-95B9048EE1A4}" type="datetimeFigureOut">
               <a:rPr lang="en-US" smtClean="0"/>
-              <a:t>8/17/20</a:t>
+              <a:t>8/19/20</a:t>
             </a:fld>
             <a:endParaRPr lang="en-US"/>
           </a:p>
@@ -6481,7 +6565,7 @@
           <a:p>
             <a:fld id="{8C0AA0B7-332D-774C-A1C2-95B9048EE1A4}" type="datetimeFigureOut">
               <a:rPr lang="en-US" smtClean="0"/>
-              <a:t>8/17/20</a:t>
+              <a:t>8/19/20</a:t>
             </a:fld>
             <a:endParaRPr lang="en-US"/>
           </a:p>
@@ -6746,7 +6830,7 @@
           <a:p>
             <a:fld id="{8C0AA0B7-332D-774C-A1C2-95B9048EE1A4}" type="datetimeFigureOut">
               <a:rPr lang="en-US" smtClean="0"/>
-              <a:t>8/17/20</a:t>
+              <a:t>8/19/20</a:t>
             </a:fld>
             <a:endParaRPr lang="en-US"/>
           </a:p>
@@ -7158,7 +7242,7 @@
           <a:p>
             <a:fld id="{8C0AA0B7-332D-774C-A1C2-95B9048EE1A4}" type="datetimeFigureOut">
               <a:rPr lang="en-US" smtClean="0"/>
-              <a:t>8/17/20</a:t>
+              <a:t>8/19/20</a:t>
             </a:fld>
             <a:endParaRPr lang="en-US"/>
           </a:p>
@@ -7299,7 +7383,7 @@
           <a:p>
             <a:fld id="{8C0AA0B7-332D-774C-A1C2-95B9048EE1A4}" type="datetimeFigureOut">
               <a:rPr lang="en-US" smtClean="0"/>
-              <a:t>8/17/20</a:t>
+              <a:t>8/19/20</a:t>
             </a:fld>
             <a:endParaRPr lang="en-US"/>
           </a:p>
@@ -7412,7 +7496,7 @@
           <a:p>
             <a:fld id="{8C0AA0B7-332D-774C-A1C2-95B9048EE1A4}" type="datetimeFigureOut">
               <a:rPr lang="en-US" smtClean="0"/>
-              <a:t>8/17/20</a:t>
+              <a:t>8/19/20</a:t>
             </a:fld>
             <a:endParaRPr lang="en-US"/>
           </a:p>
@@ -7723,7 +7807,7 @@
           <a:p>
             <a:fld id="{8C0AA0B7-332D-774C-A1C2-95B9048EE1A4}" type="datetimeFigureOut">
               <a:rPr lang="en-US" smtClean="0"/>
-              <a:t>8/17/20</a:t>
+              <a:t>8/19/20</a:t>
             </a:fld>
             <a:endParaRPr lang="en-US"/>
           </a:p>
@@ -8011,7 +8095,7 @@
           <a:p>
             <a:fld id="{8C0AA0B7-332D-774C-A1C2-95B9048EE1A4}" type="datetimeFigureOut">
               <a:rPr lang="en-US" smtClean="0"/>
-              <a:t>8/17/20</a:t>
+              <a:t>8/19/20</a:t>
             </a:fld>
             <a:endParaRPr lang="en-US"/>
           </a:p>
@@ -8252,7 +8336,7 @@
           <a:p>
             <a:fld id="{8C0AA0B7-332D-774C-A1C2-95B9048EE1A4}" type="datetimeFigureOut">
               <a:rPr lang="en-US" smtClean="0"/>
-              <a:t>8/17/20</a:t>
+              <a:t>8/19/20</a:t>
             </a:fld>
             <a:endParaRPr lang="en-US"/>
           </a:p>
@@ -35553,7 +35637,7 @@
           </p:nvPr>
         </p:nvPicPr>
         <p:blipFill>
-          <a:blip r:embed="rId2"/>
+          <a:blip r:embed="rId3"/>
           <a:srcRect/>
           <a:stretch/>
         </p:blipFill>
